--- a/doc/PPT/project_ppt[1].pptx
+++ b/doc/PPT/project_ppt[1].pptx
@@ -7969,7 +7969,7 @@
                 <a:latin typeface="Times New Roman" panose="02020603050405020304" pitchFamily="18" charset="0"/>
                 <a:cs typeface="Times New Roman" panose="02020603050405020304" pitchFamily="18" charset="0"/>
               </a:rPr>
-              <a:t>Customer support is achieved</a:t>
+              <a:t>Customer support is achieved      </a:t>
             </a:r>
           </a:p>
           <a:p>
@@ -8007,6 +8007,42 @@
           <a:xfrm>
             <a:off x="93307" y="91885"/>
             <a:ext cx="774440" cy="777897"/>
+          </a:xfrm>
+          <a:prstGeom prst="rect">
+            <a:avLst/>
+          </a:prstGeom>
+        </p:spPr>
+      </p:pic>
+      <p:pic>
+        <p:nvPicPr>
+          <p:cNvPr id="10" name="Picture 9">
+            <a:extLst>
+              <a:ext uri="{FF2B5EF4-FFF2-40B4-BE49-F238E27FC236}">
+                <a16:creationId xmlns:a16="http://schemas.microsoft.com/office/drawing/2014/main" id="{12BF4F8E-8DC4-B073-9C27-AFB0A04A94F7}"/>
+              </a:ext>
+            </a:extLst>
+          </p:cNvPr>
+          <p:cNvPicPr>
+            <a:picLocks noChangeAspect="1"/>
+          </p:cNvPicPr>
+          <p:nvPr/>
+        </p:nvPicPr>
+        <p:blipFill>
+          <a:blip r:embed="rId3">
+            <a:extLst>
+              <a:ext uri="{28A0092B-C50C-407E-A947-70E740481C1C}">
+                <a14:useLocalDpi xmlns:a14="http://schemas.microsoft.com/office/drawing/2010/main" val="0"/>
+              </a:ext>
+            </a:extLst>
+          </a:blip>
+          <a:stretch>
+            <a:fillRect/>
+          </a:stretch>
+        </p:blipFill>
+        <p:spPr>
+          <a:xfrm>
+            <a:off x="6096000" y="3697648"/>
+            <a:ext cx="4133147" cy="2750421"/>
           </a:xfrm>
           <a:prstGeom prst="rect">
             <a:avLst/>
@@ -8124,6 +8160,18 @@
               <a:t>It also provides live support through customer support option when user encounters problem at any level.</a:t>
             </a:r>
           </a:p>
+          <a:p>
+            <a:pPr marL="0" indent="0" algn="just">
+              <a:buNone/>
+            </a:pPr>
+            <a:r>
+              <a:rPr lang="en-IN" dirty="0">
+                <a:latin typeface="Times New Roman" panose="02020603050405020304" pitchFamily="18" charset="0"/>
+                <a:cs typeface="Times New Roman" panose="02020603050405020304" pitchFamily="18" charset="0"/>
+              </a:rPr>
+              <a:t>                                                                  </a:t>
+            </a:r>
+          </a:p>
         </p:txBody>
       </p:sp>
       <p:pic>
@@ -8150,6 +8198,42 @@
           <a:xfrm>
             <a:off x="93306" y="118090"/>
             <a:ext cx="811763" cy="815387"/>
+          </a:xfrm>
+          <a:prstGeom prst="rect">
+            <a:avLst/>
+          </a:prstGeom>
+        </p:spPr>
+      </p:pic>
+      <p:pic>
+        <p:nvPicPr>
+          <p:cNvPr id="6" name="Picture 5">
+            <a:extLst>
+              <a:ext uri="{FF2B5EF4-FFF2-40B4-BE49-F238E27FC236}">
+                <a16:creationId xmlns:a16="http://schemas.microsoft.com/office/drawing/2014/main" id="{3B141EC7-AE43-A7B7-02B6-25808D76F486}"/>
+              </a:ext>
+            </a:extLst>
+          </p:cNvPr>
+          <p:cNvPicPr>
+            <a:picLocks noChangeAspect="1"/>
+          </p:cNvPicPr>
+          <p:nvPr/>
+        </p:nvPicPr>
+        <p:blipFill>
+          <a:blip r:embed="rId3">
+            <a:extLst>
+              <a:ext uri="{28A0092B-C50C-407E-A947-70E740481C1C}">
+                <a14:useLocalDpi xmlns:a14="http://schemas.microsoft.com/office/drawing/2010/main" val="0"/>
+              </a:ext>
+            </a:extLst>
+          </a:blip>
+          <a:stretch>
+            <a:fillRect/>
+          </a:stretch>
+        </p:blipFill>
+        <p:spPr>
+          <a:xfrm>
+            <a:off x="6518502" y="3429000"/>
+            <a:ext cx="4283968" cy="3387999"/>
           </a:xfrm>
           <a:prstGeom prst="rect">
             <a:avLst/>
@@ -9288,7 +9372,7 @@
                 <a:latin typeface="Times New Roman" panose="02020603050405020304" pitchFamily="18" charset="0"/>
                 <a:cs typeface="Times New Roman" panose="02020603050405020304" pitchFamily="18" charset="0"/>
               </a:rPr>
-              <a:t>			1.insert</a:t>
+              <a:t>			1.Insert</a:t>
             </a:r>
           </a:p>
           <a:p>
@@ -9300,7 +9384,7 @@
                 <a:latin typeface="Times New Roman" panose="02020603050405020304" pitchFamily="18" charset="0"/>
                 <a:cs typeface="Times New Roman" panose="02020603050405020304" pitchFamily="18" charset="0"/>
               </a:rPr>
-              <a:t>			2.retrieve</a:t>
+              <a:t>			2.Retrieve</a:t>
             </a:r>
           </a:p>
           <a:p>
@@ -9312,7 +9396,7 @@
                 <a:latin typeface="Times New Roman" panose="02020603050405020304" pitchFamily="18" charset="0"/>
                 <a:cs typeface="Times New Roman" panose="02020603050405020304" pitchFamily="18" charset="0"/>
               </a:rPr>
-              <a:t>			3.delete</a:t>
+              <a:t>			3.Delete</a:t>
             </a:r>
           </a:p>
         </p:txBody>
